--- a/vrp33.pptx
+++ b/vrp33.pptx
@@ -104,6 +104,11 @@
       </a:defRPr>
     </a:lvl9pPr>
   </p:defaultTextStyle>
+  <p:extLst>
+    <p:ext uri="{EFAFB233-063F-42B5-8137-9DF3F51BA10A}">
+      <p15:sldGuideLst xmlns:p15="http://schemas.microsoft.com/office/powerpoint/2012/main"/>
+    </p:ext>
+  </p:extLst>
 </p:presentation>
 </file>
 
@@ -1863,7 +1868,7 @@
           <a:p>
             <a:fld id="{E9EF7892-D1A7-4231-9B13-A59989048DBB}" type="datetimeFigureOut">
               <a:rPr lang="de-DE" smtClean="0"/>
-              <a:t>18.01.2018</a:t>
+              <a:t>23.01.2018</a:t>
             </a:fld>
             <a:endParaRPr lang="de-DE"/>
           </a:p>
@@ -2061,7 +2066,7 @@
           <a:p>
             <a:fld id="{E9EF7892-D1A7-4231-9B13-A59989048DBB}" type="datetimeFigureOut">
               <a:rPr lang="de-DE" smtClean="0"/>
-              <a:t>18.01.2018</a:t>
+              <a:t>23.01.2018</a:t>
             </a:fld>
             <a:endParaRPr lang="de-DE"/>
           </a:p>
@@ -2269,7 +2274,7 @@
           <a:p>
             <a:fld id="{E9EF7892-D1A7-4231-9B13-A59989048DBB}" type="datetimeFigureOut">
               <a:rPr lang="de-DE" smtClean="0"/>
-              <a:t>18.01.2018</a:t>
+              <a:t>23.01.2018</a:t>
             </a:fld>
             <a:endParaRPr lang="de-DE"/>
           </a:p>
@@ -2467,7 +2472,7 @@
           <a:p>
             <a:fld id="{E9EF7892-D1A7-4231-9B13-A59989048DBB}" type="datetimeFigureOut">
               <a:rPr lang="de-DE" smtClean="0"/>
-              <a:t>18.01.2018</a:t>
+              <a:t>23.01.2018</a:t>
             </a:fld>
             <a:endParaRPr lang="de-DE"/>
           </a:p>
@@ -2742,7 +2747,7 @@
           <a:p>
             <a:fld id="{E9EF7892-D1A7-4231-9B13-A59989048DBB}" type="datetimeFigureOut">
               <a:rPr lang="de-DE" smtClean="0"/>
-              <a:t>18.01.2018</a:t>
+              <a:t>23.01.2018</a:t>
             </a:fld>
             <a:endParaRPr lang="de-DE"/>
           </a:p>
@@ -3007,7 +3012,7 @@
           <a:p>
             <a:fld id="{E9EF7892-D1A7-4231-9B13-A59989048DBB}" type="datetimeFigureOut">
               <a:rPr lang="de-DE" smtClean="0"/>
-              <a:t>18.01.2018</a:t>
+              <a:t>23.01.2018</a:t>
             </a:fld>
             <a:endParaRPr lang="de-DE"/>
           </a:p>
@@ -3419,7 +3424,7 @@
           <a:p>
             <a:fld id="{E9EF7892-D1A7-4231-9B13-A59989048DBB}" type="datetimeFigureOut">
               <a:rPr lang="de-DE" smtClean="0"/>
-              <a:t>18.01.2018</a:t>
+              <a:t>23.01.2018</a:t>
             </a:fld>
             <a:endParaRPr lang="de-DE"/>
           </a:p>
@@ -3560,7 +3565,7 @@
           <a:p>
             <a:fld id="{E9EF7892-D1A7-4231-9B13-A59989048DBB}" type="datetimeFigureOut">
               <a:rPr lang="de-DE" smtClean="0"/>
-              <a:t>18.01.2018</a:t>
+              <a:t>23.01.2018</a:t>
             </a:fld>
             <a:endParaRPr lang="de-DE"/>
           </a:p>
@@ -3673,7 +3678,7 @@
           <a:p>
             <a:fld id="{E9EF7892-D1A7-4231-9B13-A59989048DBB}" type="datetimeFigureOut">
               <a:rPr lang="de-DE" smtClean="0"/>
-              <a:t>18.01.2018</a:t>
+              <a:t>23.01.2018</a:t>
             </a:fld>
             <a:endParaRPr lang="de-DE"/>
           </a:p>
@@ -3984,7 +3989,7 @@
           <a:p>
             <a:fld id="{E9EF7892-D1A7-4231-9B13-A59989048DBB}" type="datetimeFigureOut">
               <a:rPr lang="de-DE" smtClean="0"/>
-              <a:t>18.01.2018</a:t>
+              <a:t>23.01.2018</a:t>
             </a:fld>
             <a:endParaRPr lang="de-DE"/>
           </a:p>
@@ -4272,7 +4277,7 @@
           <a:p>
             <a:fld id="{E9EF7892-D1A7-4231-9B13-A59989048DBB}" type="datetimeFigureOut">
               <a:rPr lang="de-DE" smtClean="0"/>
-              <a:t>18.01.2018</a:t>
+              <a:t>23.01.2018</a:t>
             </a:fld>
             <a:endParaRPr lang="de-DE"/>
           </a:p>
@@ -4513,7 +4518,7 @@
           <a:p>
             <a:fld id="{E9EF7892-D1A7-4231-9B13-A59989048DBB}" type="datetimeFigureOut">
               <a:rPr lang="de-DE" smtClean="0"/>
-              <a:t>18.01.2018</a:t>
+              <a:t>23.01.2018</a:t>
             </a:fld>
             <a:endParaRPr lang="de-DE"/>
           </a:p>
@@ -4932,31 +4937,6 @@
       </p:grpSpPr>
       <p:sp>
         <p:nvSpPr>
-          <p:cNvPr id="2" name="Titel 1">
-            <a:extLst>
-              <a:ext uri="{FF2B5EF4-FFF2-40B4-BE49-F238E27FC236}">
-                <a16:creationId xmlns:a16="http://schemas.microsoft.com/office/drawing/2014/main" id="{5516FE7F-2397-4A0D-AEDC-384F5DDB6E78}"/>
-              </a:ext>
-            </a:extLst>
-          </p:cNvPr>
-          <p:cNvSpPr>
-            <a:spLocks noGrp="1"/>
-          </p:cNvSpPr>
-          <p:nvPr>
-            <p:ph type="ctrTitle"/>
-          </p:nvPr>
-        </p:nvSpPr>
-        <p:spPr/>
-        <p:txBody>
-          <a:bodyPr/>
-          <a:lstStyle/>
-          <a:p>
-            <a:endParaRPr lang="de-DE"/>
-          </a:p>
-        </p:txBody>
-      </p:sp>
-      <p:sp>
-        <p:nvSpPr>
           <p:cNvPr id="3" name="Untertitel 2">
             <a:extLst>
               <a:ext uri="{FF2B5EF4-FFF2-40B4-BE49-F238E27FC236}">
@@ -5010,6 +4990,101 @@
           </a:graphicData>
         </a:graphic>
       </p:graphicFrame>
+      <p:sp>
+        <p:nvSpPr>
+          <p:cNvPr id="5" name="Titel 4">
+            <a:extLst>
+              <a:ext uri="{FF2B5EF4-FFF2-40B4-BE49-F238E27FC236}">
+                <a16:creationId xmlns:a16="http://schemas.microsoft.com/office/drawing/2014/main" id="{D4603824-2B5F-4C03-A492-28FCC07E1715}"/>
+              </a:ext>
+            </a:extLst>
+          </p:cNvPr>
+          <p:cNvSpPr txBox="1">
+            <a:spLocks noGrp="1"/>
+          </p:cNvSpPr>
+          <p:nvPr>
+            <p:ph type="ctrTitle"/>
+          </p:nvPr>
+        </p:nvSpPr>
+        <p:spPr>
+          <a:xfrm>
+            <a:off x="3232038" y="1153475"/>
+            <a:ext cx="431529" cy="313932"/>
+          </a:xfrm>
+          <a:prstGeom prst="rect">
+            <a:avLst/>
+          </a:prstGeom>
+          <a:noFill/>
+        </p:spPr>
+        <p:txBody>
+          <a:bodyPr wrap="none" rtlCol="0">
+            <a:spAutoFit/>
+          </a:bodyPr>
+          <a:lstStyle/>
+          <a:p>
+            <a:r>
+              <a:rPr lang="de-DE" sz="1600" b="1" dirty="0"/>
+              <a:t>km</a:t>
+            </a:r>
+          </a:p>
+        </p:txBody>
+      </p:sp>
+      <p:sp>
+        <p:nvSpPr>
+          <p:cNvPr id="6" name="Titel 4">
+            <a:extLst>
+              <a:ext uri="{FF2B5EF4-FFF2-40B4-BE49-F238E27FC236}">
+                <a16:creationId xmlns:a16="http://schemas.microsoft.com/office/drawing/2014/main" id="{82A34F7C-BB7A-47F0-89AA-EED41C24F835}"/>
+              </a:ext>
+            </a:extLst>
+          </p:cNvPr>
+          <p:cNvSpPr txBox="1">
+            <a:spLocks/>
+          </p:cNvSpPr>
+          <p:nvPr/>
+        </p:nvSpPr>
+        <p:spPr>
+          <a:xfrm>
+            <a:off x="8918339" y="6100399"/>
+            <a:ext cx="431529" cy="313932"/>
+          </a:xfrm>
+          <a:prstGeom prst="rect">
+            <a:avLst/>
+          </a:prstGeom>
+          <a:noFill/>
+        </p:spPr>
+        <p:txBody>
+          <a:bodyPr vert="horz" wrap="none" lIns="91440" tIns="45720" rIns="91440" bIns="45720" rtlCol="0" anchor="b">
+            <a:spAutoFit/>
+          </a:bodyPr>
+          <a:lstStyle>
+            <a:lvl1pPr algn="ctr" defTabSz="914400" rtl="0" eaLnBrk="1" latinLnBrk="0" hangingPunct="1">
+              <a:lnSpc>
+                <a:spcPct val="90000"/>
+              </a:lnSpc>
+              <a:spcBef>
+                <a:spcPct val="0"/>
+              </a:spcBef>
+              <a:buNone/>
+              <a:defRPr sz="6000" kern="1200">
+                <a:solidFill>
+                  <a:schemeClr val="tx1"/>
+                </a:solidFill>
+                <a:latin typeface="+mj-lt"/>
+                <a:ea typeface="+mj-ea"/>
+                <a:cs typeface="+mj-cs"/>
+              </a:defRPr>
+            </a:lvl1pPr>
+          </a:lstStyle>
+          <a:p>
+            <a:r>
+              <a:rPr lang="de-DE" sz="1600" b="1"/>
+              <a:t>km</a:t>
+            </a:r>
+            <a:endParaRPr lang="de-DE" sz="1600" b="1" dirty="0"/>
+          </a:p>
+        </p:txBody>
+      </p:sp>
     </p:spTree>
     <p:extLst>
       <p:ext uri="{BB962C8B-B14F-4D97-AF65-F5344CB8AC3E}">
